--- a/NFL Machine Learning Presentation.pptx
+++ b/NFL Machine Learning Presentation.pptx
@@ -131,6 +131,35 @@
 <p188:authorLst xmlns:a="http://schemas.openxmlformats.org/drawingml/2006/main" xmlns:r="http://schemas.openxmlformats.org/officeDocument/2006/relationships" xmlns:p188="http://schemas.microsoft.com/office/powerpoint/2018/8/main">
   <p188:author id="{00000000-0000-0000-0000-000000000000}" name="Author" initials="A" userId="Author" providerId="AD"/>
 </p188:authorLst>
+</file>
+
+<file path=ppt/changesInfos/changesInfo1.xml><?xml version="1.0" encoding="utf-8"?>
+<pc:chgInfo xmlns:a="http://schemas.openxmlformats.org/drawingml/2006/main" xmlns:r="http://schemas.openxmlformats.org/officeDocument/2006/relationships" xmlns:ac="http://schemas.microsoft.com/office/drawing/2013/main/command" xmlns:pc="http://schemas.microsoft.com/office/powerpoint/2013/main/command">
+  <pc:docChgLst>
+    <pc:chgData name="Daniel Ference" userId="2278691c200936c8" providerId="LiveId" clId="{584DF3CD-0BB1-4786-8EAE-729E8E791CAA}"/>
+    <pc:docChg chg="modSld">
+      <pc:chgData name="Daniel Ference" userId="2278691c200936c8" providerId="LiveId" clId="{584DF3CD-0BB1-4786-8EAE-729E8E791CAA}" dt="2024-09-18T14:30:38.328" v="9" actId="20577"/>
+      <pc:docMkLst>
+        <pc:docMk/>
+      </pc:docMkLst>
+      <pc:sldChg chg="modSp mod">
+        <pc:chgData name="Daniel Ference" userId="2278691c200936c8" providerId="LiveId" clId="{584DF3CD-0BB1-4786-8EAE-729E8E791CAA}" dt="2024-09-18T14:30:38.328" v="9" actId="20577"/>
+        <pc:sldMkLst>
+          <pc:docMk/>
+          <pc:sldMk cId="639264769" sldId="281"/>
+        </pc:sldMkLst>
+        <pc:spChg chg="mod">
+          <ac:chgData name="Daniel Ference" userId="2278691c200936c8" providerId="LiveId" clId="{584DF3CD-0BB1-4786-8EAE-729E8E791CAA}" dt="2024-09-18T14:30:38.328" v="9" actId="20577"/>
+          <ac:spMkLst>
+            <pc:docMk/>
+            <pc:sldMk cId="639264769" sldId="281"/>
+            <ac:spMk id="2" creationId="{73C5147D-5F3B-C54C-E313-1273F56E6106}"/>
+          </ac:spMkLst>
+        </pc:spChg>
+      </pc:sldChg>
+    </pc:docChg>
+  </pc:docChgLst>
+</pc:chgInfo>
 </file>
 
 <file path=ppt/handoutMasters/handoutMaster1.xml><?xml version="1.0" encoding="utf-8"?>
@@ -5564,7 +5593,7 @@
                   <a:schemeClr val="bg1"/>
                 </a:solidFill>
               </a:rPr>
-              <a:t>EMILY PORKOWSKI, WADE KEELER, NICK MALLET, DANIEL FERENCE</a:t>
+              <a:t>EMILY SKOWRONSKI, WADE KEELER, NICK MALLET, DANIEL FERENCE</a:t>
             </a:r>
           </a:p>
         </p:txBody>
@@ -7367,15 +7396,6 @@
 </file>
 
 <file path=customXml/item1.xml><?xml version="1.0" encoding="utf-8"?>
-<?mso-contentType ?>
-<FormTemplates xmlns="http://schemas.microsoft.com/sharepoint/v3/contenttype/forms">
-  <Display>DocumentLibraryForm</Display>
-  <Edit>DocumentLibraryForm</Edit>
-  <New>DocumentLibraryForm</New>
-</FormTemplates>
-</file>
-
-<file path=customXml/item2.xml><?xml version="1.0" encoding="utf-8"?>
 <ct:contentTypeSchema xmlns:ct="http://schemas.microsoft.com/office/2006/metadata/contentType" xmlns:ma="http://schemas.microsoft.com/office/2006/metadata/properties/metaAttributes" ct:_="" ma:_="" ma:contentTypeName="Document" ma:contentTypeID="0x01010079F111ED35F8CC479449609E8A0923A6" ma:contentTypeVersion="28" ma:contentTypeDescription="Create a new document." ma:contentTypeScope="" ma:versionID="60f5a4f2d2b0abadcf532d48ebf9cb71">
   <xsd:schema xmlns:xsd="http://www.w3.org/2001/XMLSchema" xmlns:xs="http://www.w3.org/2001/XMLSchema" xmlns:p="http://schemas.microsoft.com/office/2006/metadata/properties" xmlns:ns1="http://schemas.microsoft.com/sharepoint/v3" xmlns:ns2="71af3243-3dd4-4a8d-8c0d-dd76da1f02a5" xmlns:ns3="16c05727-aa75-4e4a-9b5f-8a80a1165891" xmlns:ns4="230e9df3-be65-4c73-a93b-d1236ebd677e" targetNamespace="http://schemas.microsoft.com/office/2006/metadata/properties" ma:root="true" ma:fieldsID="7dd78129e6a1811f84807ad11c651531" ns1:_="" ns2:_="" ns3:_="" ns4:_="">
     <xsd:import namespace="http://schemas.microsoft.com/sharepoint/v3"/>
@@ -7687,6 +7707,15 @@
 </ct:contentTypeSchema>
 </file>
 
+<file path=customXml/item2.xml><?xml version="1.0" encoding="utf-8"?>
+<?mso-contentType ?>
+<FormTemplates xmlns="http://schemas.microsoft.com/sharepoint/v3/contenttype/forms">
+  <Display>DocumentLibraryForm</Display>
+  <Edit>DocumentLibraryForm</Edit>
+  <New>DocumentLibraryForm</New>
+</FormTemplates>
+</file>
+
 <file path=customXml/item3.xml><?xml version="1.0" encoding="utf-8"?>
 <p:properties xmlns:p="http://schemas.microsoft.com/office/2006/metadata/properties" xmlns:xsi="http://www.w3.org/2001/XMLSchema-instance" xmlns:pc="http://schemas.microsoft.com/office/infopath/2007/PartnerControls">
   <documentManagement>
@@ -7708,14 +7737,6 @@
 </file>
 
 <file path=customXml/itemProps1.xml><?xml version="1.0" encoding="utf-8"?>
-<ds:datastoreItem xmlns:ds="http://schemas.openxmlformats.org/officeDocument/2006/customXml" ds:itemID="{0F048343-1EA9-44C3-883E-652FAAF0713E}">
-  <ds:schemaRefs>
-    <ds:schemaRef ds:uri="http://schemas.microsoft.com/sharepoint/v3/contenttype/forms"/>
-  </ds:schemaRefs>
-</ds:datastoreItem>
-</file>
-
-<file path=customXml/itemProps2.xml><?xml version="1.0" encoding="utf-8"?>
 <ds:datastoreItem xmlns:ds="http://schemas.openxmlformats.org/officeDocument/2006/customXml" ds:itemID="{5F2A2379-DD35-4769-BFD6-4857D72F808A}">
   <ds:schemaRefs>
     <ds:schemaRef ds:uri="http://schemas.microsoft.com/office/2006/metadata/contentType"/>
@@ -7736,6 +7757,14 @@
 </ds:datastoreItem>
 </file>
 
+<file path=customXml/itemProps2.xml><?xml version="1.0" encoding="utf-8"?>
+<ds:datastoreItem xmlns:ds="http://schemas.openxmlformats.org/officeDocument/2006/customXml" ds:itemID="{0F048343-1EA9-44C3-883E-652FAAF0713E}">
+  <ds:schemaRefs>
+    <ds:schemaRef ds:uri="http://schemas.microsoft.com/sharepoint/v3/contenttype/forms"/>
+  </ds:schemaRefs>
+</ds:datastoreItem>
+</file>
+
 <file path=customXml/itemProps3.xml><?xml version="1.0" encoding="utf-8"?>
 <ds:datastoreItem xmlns:ds="http://schemas.openxmlformats.org/officeDocument/2006/customXml" ds:itemID="{85C2645A-E767-4D7E-984D-234E531E4556}">
   <ds:schemaRefs>
